--- a/Hardware Luis/Aula 2/Hardware.pptx
+++ b/Hardware Luis/Aula 2/Hardware.pptx
@@ -5,7 +5,7 @@
     <p:sldMasterId id="2147483689" r:id="rId1"/>
   </p:sldMasterIdLst>
   <p:notesMasterIdLst>
-    <p:notesMasterId r:id="rId23"/>
+    <p:notesMasterId r:id="rId30"/>
   </p:notesMasterIdLst>
   <p:sldIdLst>
     <p:sldId id="256" r:id="rId2"/>
@@ -29,6 +29,13 @@
     <p:sldId id="273" r:id="rId20"/>
     <p:sldId id="274" r:id="rId21"/>
     <p:sldId id="275" r:id="rId22"/>
+    <p:sldId id="278" r:id="rId23"/>
+    <p:sldId id="279" r:id="rId24"/>
+    <p:sldId id="280" r:id="rId25"/>
+    <p:sldId id="283" r:id="rId26"/>
+    <p:sldId id="277" r:id="rId27"/>
+    <p:sldId id="281" r:id="rId28"/>
+    <p:sldId id="282" r:id="rId29"/>
   </p:sldIdLst>
   <p:sldSz cx="12192000" cy="6858000"/>
   <p:notesSz cx="6858000" cy="9144000"/>
@@ -217,7 +224,7 @@
           <a:p>
             <a:fld id="{12C2A89B-84AD-40C8-A5F9-ED883830D33A}" type="datetimeFigureOut">
               <a:rPr lang="pt-BR" smtClean="0"/>
-              <a:t>03/04/2024</a:t>
+              <a:t>11/04/2024</a:t>
             </a:fld>
             <a:endParaRPr lang="pt-BR"/>
           </a:p>
@@ -756,7 +763,7 @@
           <a:p>
             <a:fld id="{FE7C4266-A279-4CC9-B92C-BAF4DB821429}" type="datetimeFigureOut">
               <a:rPr lang="pt-BR" smtClean="0"/>
-              <a:t>03/04/2024</a:t>
+              <a:t>11/04/2024</a:t>
             </a:fld>
             <a:endParaRPr lang="pt-BR"/>
           </a:p>
@@ -1094,7 +1101,7 @@
           <a:p>
             <a:fld id="{FE7C4266-A279-4CC9-B92C-BAF4DB821429}" type="datetimeFigureOut">
               <a:rPr lang="pt-BR" smtClean="0"/>
-              <a:t>03/04/2024</a:t>
+              <a:t>11/04/2024</a:t>
             </a:fld>
             <a:endParaRPr lang="pt-BR"/>
           </a:p>
@@ -1495,7 +1502,7 @@
           <a:p>
             <a:fld id="{FE7C4266-A279-4CC9-B92C-BAF4DB821429}" type="datetimeFigureOut">
               <a:rPr lang="pt-BR" smtClean="0"/>
-              <a:t>03/04/2024</a:t>
+              <a:t>11/04/2024</a:t>
             </a:fld>
             <a:endParaRPr lang="pt-BR"/>
           </a:p>
@@ -1831,7 +1838,7 @@
           <a:p>
             <a:fld id="{FE7C4266-A279-4CC9-B92C-BAF4DB821429}" type="datetimeFigureOut">
               <a:rPr lang="pt-BR" smtClean="0"/>
-              <a:t>03/04/2024</a:t>
+              <a:t>11/04/2024</a:t>
             </a:fld>
             <a:endParaRPr lang="pt-BR"/>
           </a:p>
@@ -2151,7 +2158,7 @@
           <a:p>
             <a:fld id="{FE7C4266-A279-4CC9-B92C-BAF4DB821429}" type="datetimeFigureOut">
               <a:rPr lang="pt-BR" smtClean="0"/>
-              <a:t>03/04/2024</a:t>
+              <a:t>11/04/2024</a:t>
             </a:fld>
             <a:endParaRPr lang="pt-BR"/>
           </a:p>
@@ -2547,7 +2554,7 @@
           <a:p>
             <a:fld id="{FE7C4266-A279-4CC9-B92C-BAF4DB821429}" type="datetimeFigureOut">
               <a:rPr lang="pt-BR" smtClean="0"/>
-              <a:t>03/04/2024</a:t>
+              <a:t>11/04/2024</a:t>
             </a:fld>
             <a:endParaRPr lang="pt-BR"/>
           </a:p>
@@ -2804,7 +2811,7 @@
           <a:p>
             <a:fld id="{FE7C4266-A279-4CC9-B92C-BAF4DB821429}" type="datetimeFigureOut">
               <a:rPr lang="pt-BR" smtClean="0"/>
-              <a:t>03/04/2024</a:t>
+              <a:t>11/04/2024</a:t>
             </a:fld>
             <a:endParaRPr lang="pt-BR"/>
           </a:p>
@@ -3066,7 +3073,7 @@
           <a:p>
             <a:fld id="{FE7C4266-A279-4CC9-B92C-BAF4DB821429}" type="datetimeFigureOut">
               <a:rPr lang="pt-BR" smtClean="0"/>
-              <a:t>03/04/2024</a:t>
+              <a:t>11/04/2024</a:t>
             </a:fld>
             <a:endParaRPr lang="pt-BR"/>
           </a:p>
@@ -3328,7 +3335,7 @@
           <a:p>
             <a:fld id="{FE7C4266-A279-4CC9-B92C-BAF4DB821429}" type="datetimeFigureOut">
               <a:rPr lang="pt-BR" smtClean="0"/>
-              <a:t>03/04/2024</a:t>
+              <a:t>11/04/2024</a:t>
             </a:fld>
             <a:endParaRPr lang="pt-BR"/>
           </a:p>
@@ -3657,7 +3664,7 @@
           <a:p>
             <a:fld id="{FE7C4266-A279-4CC9-B92C-BAF4DB821429}" type="datetimeFigureOut">
               <a:rPr lang="pt-BR" smtClean="0"/>
-              <a:t>03/04/2024</a:t>
+              <a:t>11/04/2024</a:t>
             </a:fld>
             <a:endParaRPr lang="pt-BR"/>
           </a:p>
@@ -3980,7 +3987,7 @@
           <a:p>
             <a:fld id="{FE7C4266-A279-4CC9-B92C-BAF4DB821429}" type="datetimeFigureOut">
               <a:rPr lang="pt-BR" smtClean="0"/>
-              <a:t>03/04/2024</a:t>
+              <a:t>11/04/2024</a:t>
             </a:fld>
             <a:endParaRPr lang="pt-BR"/>
           </a:p>
@@ -4437,7 +4444,7 @@
           <a:p>
             <a:fld id="{FE7C4266-A279-4CC9-B92C-BAF4DB821429}" type="datetimeFigureOut">
               <a:rPr lang="pt-BR" smtClean="0"/>
-              <a:t>03/04/2024</a:t>
+              <a:t>11/04/2024</a:t>
             </a:fld>
             <a:endParaRPr lang="pt-BR"/>
           </a:p>
@@ -4642,7 +4649,7 @@
           <a:p>
             <a:fld id="{FE7C4266-A279-4CC9-B92C-BAF4DB821429}" type="datetimeFigureOut">
               <a:rPr lang="pt-BR" smtClean="0"/>
-              <a:t>03/04/2024</a:t>
+              <a:t>11/04/2024</a:t>
             </a:fld>
             <a:endParaRPr lang="pt-BR"/>
           </a:p>
@@ -4819,7 +4826,7 @@
           <a:p>
             <a:fld id="{FE7C4266-A279-4CC9-B92C-BAF4DB821429}" type="datetimeFigureOut">
               <a:rPr lang="pt-BR" smtClean="0"/>
-              <a:t>03/04/2024</a:t>
+              <a:t>11/04/2024</a:t>
             </a:fld>
             <a:endParaRPr lang="pt-BR"/>
           </a:p>
@@ -5152,7 +5159,7 @@
           <a:p>
             <a:fld id="{FE7C4266-A279-4CC9-B92C-BAF4DB821429}" type="datetimeFigureOut">
               <a:rPr lang="pt-BR" smtClean="0"/>
-              <a:t>03/04/2024</a:t>
+              <a:t>11/04/2024</a:t>
             </a:fld>
             <a:endParaRPr lang="pt-BR"/>
           </a:p>
@@ -5497,7 +5504,7 @@
           <a:p>
             <a:fld id="{FE7C4266-A279-4CC9-B92C-BAF4DB821429}" type="datetimeFigureOut">
               <a:rPr lang="pt-BR" smtClean="0"/>
-              <a:t>03/04/2024</a:t>
+              <a:t>11/04/2024</a:t>
             </a:fld>
             <a:endParaRPr lang="pt-BR"/>
           </a:p>
@@ -7614,7 +7621,7 @@
           <a:p>
             <a:fld id="{FE7C4266-A279-4CC9-B92C-BAF4DB821429}" type="datetimeFigureOut">
               <a:rPr lang="pt-BR" smtClean="0"/>
-              <a:t>03/04/2024</a:t>
+              <a:t>11/04/2024</a:t>
             </a:fld>
             <a:endParaRPr lang="pt-BR"/>
           </a:p>
@@ -8285,11 +8292,13 @@
           </a:xfrm>
         </p:spPr>
         <p:txBody>
-          <a:bodyPr/>
+          <a:bodyPr>
+            <a:normAutofit/>
+          </a:bodyPr>
           <a:lstStyle/>
           <a:p>
             <a:r>
-              <a:rPr lang="pt-BR" dirty="0"/>
+              <a:rPr lang="pt-BR" sz="2400" dirty="0"/>
               <a:t>Memórias:</a:t>
             </a:r>
           </a:p>
@@ -8298,39 +8307,39 @@
               <a:buNone/>
             </a:pPr>
             <a:r>
-              <a:rPr lang="pt-BR" dirty="0"/>
-              <a:t>	Responsável pelo armazenamento de dados e programas. É dividida em 	dois tipos:</a:t>
+              <a:rPr lang="pt-BR" sz="2400" dirty="0"/>
+              <a:t>	Responsável pelo armazenamento de dados e programas. É dividida em dois tipos:</a:t>
             </a:r>
           </a:p>
           <a:p>
             <a:pPr marL="0" indent="0">
               <a:buNone/>
             </a:pPr>
-            <a:endParaRPr lang="pt-BR" dirty="0"/>
+            <a:endParaRPr lang="pt-BR" sz="2400" dirty="0"/>
           </a:p>
           <a:p>
             <a:pPr lvl="1"/>
             <a:r>
-              <a:rPr lang="pt-BR" sz="1800" b="1" dirty="0"/>
+              <a:rPr lang="pt-BR" sz="2400" b="1" dirty="0"/>
               <a:t>Memória Volátil: </a:t>
             </a:r>
             <a:r>
-              <a:rPr lang="pt-BR" sz="1800" dirty="0"/>
+              <a:rPr lang="pt-BR" sz="2400" dirty="0"/>
               <a:t>Perde seu conteúdo quando o computador é desligado, utilizada na execução dos programas.</a:t>
             </a:r>
           </a:p>
           <a:p>
             <a:pPr lvl="1"/>
             <a:r>
-              <a:rPr lang="pt-BR" b="1" dirty="0"/>
+              <a:rPr lang="pt-BR" sz="2000" b="1" dirty="0"/>
               <a:t>M</a:t>
             </a:r>
             <a:r>
-              <a:rPr lang="pt-BR" sz="1800" b="1" dirty="0"/>
+              <a:rPr lang="pt-BR" sz="2400" b="1" dirty="0"/>
               <a:t>emória não Volátil: </a:t>
             </a:r>
             <a:r>
-              <a:rPr lang="pt-BR" sz="1800" dirty="0"/>
+              <a:rPr lang="pt-BR" sz="2400" dirty="0"/>
               <a:t>Não perde seu conteúdo, utilizada para armazenar configurações da máquina.</a:t>
             </a:r>
           </a:p>
@@ -8412,34 +8421,36 @@
         </p:nvSpPr>
         <p:spPr/>
         <p:txBody>
-          <a:bodyPr/>
+          <a:bodyPr>
+            <a:normAutofit/>
+          </a:bodyPr>
           <a:lstStyle/>
           <a:p>
             <a:r>
-              <a:rPr lang="pt-BR" dirty="0"/>
+              <a:rPr lang="pt-BR" sz="2000" dirty="0"/>
               <a:t>Memória não volátil:</a:t>
             </a:r>
           </a:p>
           <a:p>
             <a:pPr lvl="1"/>
             <a:r>
-              <a:rPr lang="pt-BR" sz="1800" dirty="0"/>
+              <a:rPr lang="pt-BR" sz="2000" dirty="0"/>
               <a:t>Conhecida como memória ROM (</a:t>
             </a:r>
             <a:r>
-              <a:rPr lang="pt-BR" sz="1800" dirty="0" err="1"/>
+              <a:rPr lang="pt-BR" sz="2000" dirty="0" err="1"/>
               <a:t>Read</a:t>
             </a:r>
             <a:r>
-              <a:rPr lang="pt-BR" sz="1800" dirty="0"/>
+              <a:rPr lang="pt-BR" sz="2000" dirty="0"/>
               <a:t> Only </a:t>
             </a:r>
             <a:r>
-              <a:rPr lang="pt-BR" sz="1800" dirty="0" err="1"/>
+              <a:rPr lang="pt-BR" sz="2000" dirty="0" err="1"/>
               <a:t>Memory</a:t>
             </a:r>
             <a:r>
-              <a:rPr lang="pt-BR" sz="1800" dirty="0"/>
+              <a:rPr lang="pt-BR" sz="2000" dirty="0"/>
               <a:t>). Não é possível escrever dados nesta memória, apenas efetuar leitura.</a:t>
             </a:r>
           </a:p>
@@ -8619,30 +8630,30 @@
           <a:lstStyle/>
           <a:p>
             <a:r>
-              <a:rPr lang="pt-BR" dirty="0"/>
+              <a:rPr lang="pt-BR" sz="2000" dirty="0"/>
               <a:t>Memória Volátil</a:t>
             </a:r>
           </a:p>
           <a:p>
             <a:pPr lvl="1"/>
             <a:r>
-              <a:rPr lang="pt-BR" sz="1800" dirty="0"/>
+              <a:rPr lang="pt-BR" sz="2000" dirty="0"/>
               <a:t>Conhecida como memória RAM (</a:t>
             </a:r>
             <a:r>
-              <a:rPr lang="pt-BR" sz="1800" dirty="0" err="1"/>
+              <a:rPr lang="pt-BR" sz="2000" dirty="0" err="1"/>
               <a:t>Random</a:t>
             </a:r>
             <a:r>
-              <a:rPr lang="pt-BR" sz="1800" dirty="0"/>
+              <a:rPr lang="pt-BR" sz="2000" dirty="0"/>
               <a:t> Access </a:t>
             </a:r>
             <a:r>
-              <a:rPr lang="pt-BR" sz="1800" dirty="0" err="1"/>
+              <a:rPr lang="pt-BR" sz="2000" dirty="0" err="1"/>
               <a:t>Memory</a:t>
             </a:r>
             <a:r>
-              <a:rPr lang="pt-BR" sz="1800" dirty="0"/>
+              <a:rPr lang="pt-BR" sz="2000" dirty="0"/>
               <a:t>). Qualquer endereço da memória pode ser acessado diretamente.</a:t>
             </a:r>
           </a:p>
@@ -8822,17 +8833,19 @@
         </p:nvSpPr>
         <p:spPr/>
         <p:txBody>
-          <a:bodyPr/>
+          <a:bodyPr>
+            <a:normAutofit/>
+          </a:bodyPr>
           <a:lstStyle/>
           <a:p>
             <a:r>
-              <a:rPr lang="pt-BR" dirty="0"/>
+              <a:rPr lang="pt-BR" sz="2000" dirty="0"/>
               <a:t>Placa Mãe</a:t>
             </a:r>
           </a:p>
           <a:p>
             <a:r>
-              <a:rPr lang="pt-BR" dirty="0"/>
+              <a:rPr lang="pt-BR" sz="2000" dirty="0"/>
               <a:t>Conhecida também como Motherboard, responsável por alocar e estabelecer comunicação entre os componentes. Parte mais importante de um computador.</a:t>
             </a:r>
           </a:p>
@@ -10715,6 +10728,1001 @@
     <p:extLst>
       <p:ext uri="{BB962C8B-B14F-4D97-AF65-F5344CB8AC3E}">
         <p14:creationId xmlns:p14="http://schemas.microsoft.com/office/powerpoint/2010/main" val="817438676"/>
+      </p:ext>
+    </p:extLst>
+  </p:cSld>
+  <p:clrMapOvr>
+    <a:masterClrMapping/>
+  </p:clrMapOvr>
+</p:sld>
+</file>
+
+<file path=ppt/slides/slide22.xml><?xml version="1.0" encoding="utf-8"?>
+<p:sld xmlns:a="http://schemas.openxmlformats.org/drawingml/2006/main" xmlns:r="http://schemas.openxmlformats.org/officeDocument/2006/relationships" xmlns:p="http://schemas.openxmlformats.org/presentationml/2006/main">
+  <p:cSld>
+    <p:spTree>
+      <p:nvGrpSpPr>
+        <p:cNvPr id="1" name=""/>
+        <p:cNvGrpSpPr/>
+        <p:nvPr/>
+      </p:nvGrpSpPr>
+      <p:grpSpPr>
+        <a:xfrm>
+          <a:off x="0" y="0"/>
+          <a:ext cx="0" cy="0"/>
+          <a:chOff x="0" y="0"/>
+          <a:chExt cx="0" cy="0"/>
+        </a:xfrm>
+      </p:grpSpPr>
+      <p:sp>
+        <p:nvSpPr>
+          <p:cNvPr id="2" name="Título 1">
+            <a:extLst>
+              <a:ext uri="{FF2B5EF4-FFF2-40B4-BE49-F238E27FC236}">
+                <a16:creationId xmlns:a16="http://schemas.microsoft.com/office/drawing/2014/main" id="{B843ECA5-EC53-9F8D-1698-158BAAB130AB}"/>
+              </a:ext>
+            </a:extLst>
+          </p:cNvPr>
+          <p:cNvSpPr>
+            <a:spLocks noGrp="1"/>
+          </p:cNvSpPr>
+          <p:nvPr>
+            <p:ph type="title"/>
+          </p:nvPr>
+        </p:nvSpPr>
+        <p:spPr/>
+        <p:txBody>
+          <a:bodyPr/>
+          <a:lstStyle/>
+          <a:p>
+            <a:r>
+              <a:rPr lang="pt-BR" b="1" dirty="0"/>
+              <a:t>HARDWARE	</a:t>
+            </a:r>
+          </a:p>
+        </p:txBody>
+      </p:sp>
+      <p:sp>
+        <p:nvSpPr>
+          <p:cNvPr id="3" name="Espaço Reservado para Conteúdo 2">
+            <a:extLst>
+              <a:ext uri="{FF2B5EF4-FFF2-40B4-BE49-F238E27FC236}">
+                <a16:creationId xmlns:a16="http://schemas.microsoft.com/office/drawing/2014/main" id="{119D8FA5-88A5-8693-09C4-FFF64AAA83CE}"/>
+              </a:ext>
+            </a:extLst>
+          </p:cNvPr>
+          <p:cNvSpPr>
+            <a:spLocks noGrp="1"/>
+          </p:cNvSpPr>
+          <p:nvPr>
+            <p:ph idx="1"/>
+          </p:nvPr>
+        </p:nvSpPr>
+        <p:spPr/>
+        <p:txBody>
+          <a:bodyPr/>
+          <a:lstStyle/>
+          <a:p>
+            <a:r>
+              <a:rPr lang="pt-BR" dirty="0"/>
+              <a:t>Chipset</a:t>
+            </a:r>
+          </a:p>
+          <a:p>
+            <a:r>
+              <a:rPr lang="pt-BR" dirty="0"/>
+              <a:t>O chipset é um componente fundamental para o funcionamento do PC. O nome se refere a um conjunto de circuitos integrados que são responsáveis por fazer com que todos os componentes do computador, desde o disco rígido até o processador, possam trocar informações e assim realizar as tarefas que exigimos deles.</a:t>
+            </a:r>
+          </a:p>
+        </p:txBody>
+      </p:sp>
+    </p:spTree>
+    <p:extLst>
+      <p:ext uri="{BB962C8B-B14F-4D97-AF65-F5344CB8AC3E}">
+        <p14:creationId xmlns:p14="http://schemas.microsoft.com/office/powerpoint/2010/main" val="3558032126"/>
+      </p:ext>
+    </p:extLst>
+  </p:cSld>
+  <p:clrMapOvr>
+    <a:masterClrMapping/>
+  </p:clrMapOvr>
+</p:sld>
+</file>
+
+<file path=ppt/slides/slide23.xml><?xml version="1.0" encoding="utf-8"?>
+<p:sld xmlns:a="http://schemas.openxmlformats.org/drawingml/2006/main" xmlns:r="http://schemas.openxmlformats.org/officeDocument/2006/relationships" xmlns:p="http://schemas.openxmlformats.org/presentationml/2006/main">
+  <p:cSld>
+    <p:spTree>
+      <p:nvGrpSpPr>
+        <p:cNvPr id="1" name=""/>
+        <p:cNvGrpSpPr/>
+        <p:nvPr/>
+      </p:nvGrpSpPr>
+      <p:grpSpPr>
+        <a:xfrm>
+          <a:off x="0" y="0"/>
+          <a:ext cx="0" cy="0"/>
+          <a:chOff x="0" y="0"/>
+          <a:chExt cx="0" cy="0"/>
+        </a:xfrm>
+      </p:grpSpPr>
+      <p:sp>
+        <p:nvSpPr>
+          <p:cNvPr id="2" name="Título 1">
+            <a:extLst>
+              <a:ext uri="{FF2B5EF4-FFF2-40B4-BE49-F238E27FC236}">
+                <a16:creationId xmlns:a16="http://schemas.microsoft.com/office/drawing/2014/main" id="{A8AC165A-9178-9565-E0AB-35823147EED2}"/>
+              </a:ext>
+            </a:extLst>
+          </p:cNvPr>
+          <p:cNvSpPr>
+            <a:spLocks noGrp="1"/>
+          </p:cNvSpPr>
+          <p:nvPr>
+            <p:ph type="title"/>
+          </p:nvPr>
+        </p:nvSpPr>
+        <p:spPr/>
+        <p:txBody>
+          <a:bodyPr/>
+          <a:lstStyle/>
+          <a:p>
+            <a:r>
+              <a:rPr lang="pt-BR" b="1" dirty="0"/>
+              <a:t>HARDWARE</a:t>
+            </a:r>
+          </a:p>
+        </p:txBody>
+      </p:sp>
+      <p:pic>
+        <p:nvPicPr>
+          <p:cNvPr id="2050" name="Picture 2" descr="Separação entre ponte sul e ponte norte dentro do chipset">
+            <a:extLst>
+              <a:ext uri="{FF2B5EF4-FFF2-40B4-BE49-F238E27FC236}">
+                <a16:creationId xmlns:a16="http://schemas.microsoft.com/office/drawing/2014/main" id="{881B292D-8FD8-EEF1-9FD4-F0C2853B4601}"/>
+              </a:ext>
+            </a:extLst>
+          </p:cNvPr>
+          <p:cNvPicPr>
+            <a:picLocks noGrp="1" noChangeAspect="1" noChangeArrowheads="1"/>
+          </p:cNvPicPr>
+          <p:nvPr>
+            <p:ph idx="1"/>
+          </p:nvPr>
+        </p:nvPicPr>
+        <p:blipFill>
+          <a:blip r:embed="rId2">
+            <a:extLst>
+              <a:ext uri="{28A0092B-C50C-407E-A947-70E740481C1C}">
+                <a14:useLocalDpi xmlns:a14="http://schemas.microsoft.com/office/drawing/2010/main" val="0"/>
+              </a:ext>
+            </a:extLst>
+          </a:blip>
+          <a:srcRect/>
+          <a:stretch>
+            <a:fillRect/>
+          </a:stretch>
+        </p:blipFill>
+        <p:spPr bwMode="auto">
+          <a:xfrm>
+            <a:off x="6978242" y="1264555"/>
+            <a:ext cx="4526370" cy="5442423"/>
+          </a:xfrm>
+          <a:prstGeom prst="rect">
+            <a:avLst/>
+          </a:prstGeom>
+          <a:noFill/>
+          <a:extLst>
+            <a:ext uri="{909E8E84-426E-40DD-AFC4-6F175D3DCCD1}">
+              <a14:hiddenFill xmlns:a14="http://schemas.microsoft.com/office/drawing/2010/main">
+                <a:solidFill>
+                  <a:srgbClr val="FFFFFF"/>
+                </a:solidFill>
+              </a14:hiddenFill>
+            </a:ext>
+          </a:extLst>
+        </p:spPr>
+      </p:pic>
+      <p:sp>
+        <p:nvSpPr>
+          <p:cNvPr id="5" name="CaixaDeTexto 4">
+            <a:extLst>
+              <a:ext uri="{FF2B5EF4-FFF2-40B4-BE49-F238E27FC236}">
+                <a16:creationId xmlns:a16="http://schemas.microsoft.com/office/drawing/2014/main" id="{B574C3C9-A35F-0427-7EAE-3414066466D5}"/>
+              </a:ext>
+            </a:extLst>
+          </p:cNvPr>
+          <p:cNvSpPr txBox="1"/>
+          <p:nvPr/>
+        </p:nvSpPr>
+        <p:spPr>
+          <a:xfrm>
+            <a:off x="1448972" y="1758462"/>
+            <a:ext cx="5064370" cy="4524315"/>
+          </a:xfrm>
+          <a:prstGeom prst="rect">
+            <a:avLst/>
+          </a:prstGeom>
+          <a:noFill/>
+        </p:spPr>
+        <p:txBody>
+          <a:bodyPr wrap="square" rtlCol="0">
+            <a:spAutoFit/>
+          </a:bodyPr>
+          <a:lstStyle/>
+          <a:p>
+            <a:r>
+              <a:rPr lang="pt-BR" b="1" dirty="0"/>
+              <a:t>Ponte Norte</a:t>
+            </a:r>
+          </a:p>
+          <a:p>
+            <a:endParaRPr lang="pt-BR" dirty="0"/>
+          </a:p>
+          <a:p>
+            <a:r>
+              <a:rPr lang="pt-BR" b="1" dirty="0"/>
+              <a:t>CPU</a:t>
+            </a:r>
+            <a:r>
+              <a:rPr lang="pt-BR" dirty="0"/>
+              <a:t> = Processador</a:t>
+            </a:r>
+          </a:p>
+          <a:p>
+            <a:endParaRPr lang="pt-BR" dirty="0"/>
+          </a:p>
+          <a:p>
+            <a:r>
+              <a:rPr lang="pt-BR" b="1" dirty="0"/>
+              <a:t>RAM</a:t>
+            </a:r>
+            <a:r>
+              <a:rPr lang="pt-BR" dirty="0"/>
+              <a:t> = Memória RAM</a:t>
+            </a:r>
+          </a:p>
+          <a:p>
+            <a:endParaRPr lang="pt-BR" dirty="0"/>
+          </a:p>
+          <a:p>
+            <a:r>
+              <a:rPr lang="pt-BR" b="1" dirty="0"/>
+              <a:t>AGP</a:t>
+            </a:r>
+            <a:r>
+              <a:rPr lang="pt-BR" dirty="0"/>
+              <a:t> =  É um novo barramento feito sob medida para as placas de vídeo mais modernas</a:t>
+            </a:r>
+          </a:p>
+          <a:p>
+            <a:endParaRPr lang="pt-BR" dirty="0"/>
+          </a:p>
+          <a:p>
+            <a:r>
+              <a:rPr lang="pt-BR" b="1" dirty="0" err="1"/>
+              <a:t>PCIe</a:t>
+            </a:r>
+            <a:r>
+              <a:rPr lang="pt-BR" dirty="0"/>
+              <a:t> =  É um barramento serial de alta velocidade utilizado em computadores.</a:t>
+            </a:r>
+          </a:p>
+          <a:p>
+            <a:endParaRPr lang="pt-BR" dirty="0"/>
+          </a:p>
+          <a:p>
+            <a:endParaRPr lang="pt-BR" dirty="0"/>
+          </a:p>
+          <a:p>
+            <a:endParaRPr lang="pt-BR" dirty="0"/>
+          </a:p>
+          <a:p>
+            <a:endParaRPr lang="pt-BR" dirty="0"/>
+          </a:p>
+        </p:txBody>
+      </p:sp>
+    </p:spTree>
+    <p:extLst>
+      <p:ext uri="{BB962C8B-B14F-4D97-AF65-F5344CB8AC3E}">
+        <p14:creationId xmlns:p14="http://schemas.microsoft.com/office/powerpoint/2010/main" val="34847726"/>
+      </p:ext>
+    </p:extLst>
+  </p:cSld>
+  <p:clrMapOvr>
+    <a:masterClrMapping/>
+  </p:clrMapOvr>
+</p:sld>
+</file>
+
+<file path=ppt/slides/slide24.xml><?xml version="1.0" encoding="utf-8"?>
+<p:sld xmlns:a="http://schemas.openxmlformats.org/drawingml/2006/main" xmlns:r="http://schemas.openxmlformats.org/officeDocument/2006/relationships" xmlns:p="http://schemas.openxmlformats.org/presentationml/2006/main">
+  <p:cSld>
+    <p:spTree>
+      <p:nvGrpSpPr>
+        <p:cNvPr id="1" name=""/>
+        <p:cNvGrpSpPr/>
+        <p:nvPr/>
+      </p:nvGrpSpPr>
+      <p:grpSpPr>
+        <a:xfrm>
+          <a:off x="0" y="0"/>
+          <a:ext cx="0" cy="0"/>
+          <a:chOff x="0" y="0"/>
+          <a:chExt cx="0" cy="0"/>
+        </a:xfrm>
+      </p:grpSpPr>
+      <p:sp>
+        <p:nvSpPr>
+          <p:cNvPr id="2" name="Título 1">
+            <a:extLst>
+              <a:ext uri="{FF2B5EF4-FFF2-40B4-BE49-F238E27FC236}">
+                <a16:creationId xmlns:a16="http://schemas.microsoft.com/office/drawing/2014/main" id="{6339C18B-C435-3340-8388-F6BBF0BE23C4}"/>
+              </a:ext>
+            </a:extLst>
+          </p:cNvPr>
+          <p:cNvSpPr>
+            <a:spLocks noGrp="1"/>
+          </p:cNvSpPr>
+          <p:nvPr>
+            <p:ph type="title"/>
+          </p:nvPr>
+        </p:nvSpPr>
+        <p:spPr/>
+        <p:txBody>
+          <a:bodyPr/>
+          <a:lstStyle/>
+          <a:p>
+            <a:r>
+              <a:rPr lang="pt-BR" b="1" dirty="0"/>
+              <a:t>HARDWARE</a:t>
+            </a:r>
+          </a:p>
+        </p:txBody>
+      </p:sp>
+      <p:pic>
+        <p:nvPicPr>
+          <p:cNvPr id="4" name="Picture 2" descr="Separação entre ponte sul e ponte norte dentro do chipset">
+            <a:extLst>
+              <a:ext uri="{FF2B5EF4-FFF2-40B4-BE49-F238E27FC236}">
+                <a16:creationId xmlns:a16="http://schemas.microsoft.com/office/drawing/2014/main" id="{AD18B28C-AF0B-E21D-F74B-DE273B2581E7}"/>
+              </a:ext>
+            </a:extLst>
+          </p:cNvPr>
+          <p:cNvPicPr>
+            <a:picLocks noGrp="1" noChangeAspect="1" noChangeArrowheads="1"/>
+          </p:cNvPicPr>
+          <p:nvPr>
+            <p:ph idx="1"/>
+          </p:nvPr>
+        </p:nvPicPr>
+        <p:blipFill>
+          <a:blip r:embed="rId2">
+            <a:extLst>
+              <a:ext uri="{28A0092B-C50C-407E-A947-70E740481C1C}">
+                <a14:useLocalDpi xmlns:a14="http://schemas.microsoft.com/office/drawing/2010/main" val="0"/>
+              </a:ext>
+            </a:extLst>
+          </a:blip>
+          <a:srcRect/>
+          <a:stretch>
+            <a:fillRect/>
+          </a:stretch>
+        </p:blipFill>
+        <p:spPr bwMode="auto">
+          <a:xfrm>
+            <a:off x="7202659" y="1793025"/>
+            <a:ext cx="3835051" cy="4611194"/>
+          </a:xfrm>
+          <a:prstGeom prst="rect">
+            <a:avLst/>
+          </a:prstGeom>
+          <a:noFill/>
+          <a:extLst>
+            <a:ext uri="{909E8E84-426E-40DD-AFC4-6F175D3DCCD1}">
+              <a14:hiddenFill xmlns:a14="http://schemas.microsoft.com/office/drawing/2010/main">
+                <a:solidFill>
+                  <a:srgbClr val="FFFFFF"/>
+                </a:solidFill>
+              </a14:hiddenFill>
+            </a:ext>
+          </a:extLst>
+        </p:spPr>
+      </p:pic>
+      <p:sp>
+        <p:nvSpPr>
+          <p:cNvPr id="5" name="CaixaDeTexto 4">
+            <a:extLst>
+              <a:ext uri="{FF2B5EF4-FFF2-40B4-BE49-F238E27FC236}">
+                <a16:creationId xmlns:a16="http://schemas.microsoft.com/office/drawing/2014/main" id="{3D30F566-E61D-6487-AF75-64FFEA3C7EF2}"/>
+              </a:ext>
+            </a:extLst>
+          </p:cNvPr>
+          <p:cNvSpPr txBox="1"/>
+          <p:nvPr/>
+        </p:nvSpPr>
+        <p:spPr>
+          <a:xfrm>
+            <a:off x="1534233" y="1291153"/>
+            <a:ext cx="5514535" cy="5632311"/>
+          </a:xfrm>
+          <a:prstGeom prst="rect">
+            <a:avLst/>
+          </a:prstGeom>
+          <a:noFill/>
+        </p:spPr>
+        <p:txBody>
+          <a:bodyPr wrap="square" rtlCol="0">
+            <a:spAutoFit/>
+          </a:bodyPr>
+          <a:lstStyle/>
+          <a:p>
+            <a:r>
+              <a:rPr lang="pt-BR" b="1" dirty="0"/>
+              <a:t>Ponte SUL</a:t>
+            </a:r>
+          </a:p>
+          <a:p>
+            <a:endParaRPr lang="pt-BR" b="1" dirty="0"/>
+          </a:p>
+          <a:p>
+            <a:r>
+              <a:rPr lang="pt-BR" b="1" dirty="0"/>
+              <a:t>PCI </a:t>
+            </a:r>
+            <a:r>
+              <a:rPr lang="pt-BR" dirty="0"/>
+              <a:t>= Padrão de interconexão de componentes periféricos </a:t>
+            </a:r>
+          </a:p>
+          <a:p>
+            <a:endParaRPr lang="pt-BR" b="1" dirty="0"/>
+          </a:p>
+          <a:p>
+            <a:r>
+              <a:rPr lang="pt-BR" b="1" dirty="0"/>
+              <a:t>USB </a:t>
+            </a:r>
+            <a:r>
+              <a:rPr lang="pt-BR" dirty="0"/>
+              <a:t> =  É um padrão de conexão por cabo que permite transmissão de dados entre dispositivos variados</a:t>
+            </a:r>
+          </a:p>
+          <a:p>
+            <a:endParaRPr lang="pt-BR" b="1" dirty="0"/>
+          </a:p>
+          <a:p>
+            <a:r>
+              <a:rPr lang="pt-BR" b="1" dirty="0"/>
+              <a:t>ISA</a:t>
+            </a:r>
+            <a:r>
+              <a:rPr lang="pt-BR" dirty="0"/>
+              <a:t> = slots que trabalham com 8 e 16 bits por segundo. (Placas mães antigas)</a:t>
+            </a:r>
+          </a:p>
+          <a:p>
+            <a:endParaRPr lang="pt-BR" b="1" dirty="0"/>
+          </a:p>
+          <a:p>
+            <a:r>
+              <a:rPr lang="pt-BR" b="1" dirty="0"/>
+              <a:t>IDE</a:t>
+            </a:r>
+            <a:r>
+              <a:rPr lang="pt-BR" dirty="0"/>
+              <a:t> = Controladora de HD</a:t>
+            </a:r>
+          </a:p>
+          <a:p>
+            <a:endParaRPr lang="pt-BR" b="1" dirty="0"/>
+          </a:p>
+          <a:p>
+            <a:r>
+              <a:rPr lang="pt-BR" b="1" dirty="0"/>
+              <a:t>BIOS </a:t>
+            </a:r>
+            <a:r>
+              <a:rPr lang="pt-BR" dirty="0"/>
+              <a:t>= Responsável por reconhecer os componentes da máquina e dar um boot na unidade definida no sistema operacional</a:t>
+            </a:r>
+          </a:p>
+          <a:p>
+            <a:endParaRPr lang="pt-BR" b="1" dirty="0"/>
+          </a:p>
+          <a:p>
+            <a:r>
+              <a:rPr lang="pt-BR" b="1" dirty="0"/>
+              <a:t>LEGADO </a:t>
+            </a:r>
+            <a:r>
+              <a:rPr lang="pt-BR" dirty="0"/>
+              <a:t>= sistema de informação que usa tecnologias e processos ultrapassados. </a:t>
+            </a:r>
+            <a:endParaRPr lang="pt-BR" b="1" dirty="0"/>
+          </a:p>
+        </p:txBody>
+      </p:sp>
+    </p:spTree>
+    <p:extLst>
+      <p:ext uri="{BB962C8B-B14F-4D97-AF65-F5344CB8AC3E}">
+        <p14:creationId xmlns:p14="http://schemas.microsoft.com/office/powerpoint/2010/main" val="3457116360"/>
+      </p:ext>
+    </p:extLst>
+  </p:cSld>
+  <p:clrMapOvr>
+    <a:masterClrMapping/>
+  </p:clrMapOvr>
+</p:sld>
+</file>
+
+<file path=ppt/slides/slide25.xml><?xml version="1.0" encoding="utf-8"?>
+<p:sld xmlns:a="http://schemas.openxmlformats.org/drawingml/2006/main" xmlns:r="http://schemas.openxmlformats.org/officeDocument/2006/relationships" xmlns:p="http://schemas.openxmlformats.org/presentationml/2006/main">
+  <p:cSld>
+    <p:spTree>
+      <p:nvGrpSpPr>
+        <p:cNvPr id="1" name=""/>
+        <p:cNvGrpSpPr/>
+        <p:nvPr/>
+      </p:nvGrpSpPr>
+      <p:grpSpPr>
+        <a:xfrm>
+          <a:off x="0" y="0"/>
+          <a:ext cx="0" cy="0"/>
+          <a:chOff x="0" y="0"/>
+          <a:chExt cx="0" cy="0"/>
+        </a:xfrm>
+      </p:grpSpPr>
+      <p:pic>
+        <p:nvPicPr>
+          <p:cNvPr id="4" name="Picture 2" descr="AULA 07 – MANUTENÇÃO DE COMPUTADORES II NOVO (PROEJA) – Site do Professor  Carlos Fernandes">
+            <a:extLst>
+              <a:ext uri="{FF2B5EF4-FFF2-40B4-BE49-F238E27FC236}">
+                <a16:creationId xmlns:a16="http://schemas.microsoft.com/office/drawing/2014/main" id="{7C68390F-B379-9720-F99E-4EAEEF341865}"/>
+              </a:ext>
+            </a:extLst>
+          </p:cNvPr>
+          <p:cNvPicPr>
+            <a:picLocks noChangeAspect="1" noChangeArrowheads="1"/>
+          </p:cNvPicPr>
+          <p:nvPr/>
+        </p:nvPicPr>
+        <p:blipFill>
+          <a:blip r:embed="rId2">
+            <a:extLst>
+              <a:ext uri="{28A0092B-C50C-407E-A947-70E740481C1C}">
+                <a14:useLocalDpi xmlns:a14="http://schemas.microsoft.com/office/drawing/2010/main" val="0"/>
+              </a:ext>
+            </a:extLst>
+          </a:blip>
+          <a:srcRect/>
+          <a:stretch>
+            <a:fillRect/>
+          </a:stretch>
+        </p:blipFill>
+        <p:spPr bwMode="auto">
+          <a:xfrm>
+            <a:off x="1970040" y="298297"/>
+            <a:ext cx="9213776" cy="6261405"/>
+          </a:xfrm>
+          <a:prstGeom prst="rect">
+            <a:avLst/>
+          </a:prstGeom>
+          <a:noFill/>
+          <a:extLst>
+            <a:ext uri="{909E8E84-426E-40DD-AFC4-6F175D3DCCD1}">
+              <a14:hiddenFill xmlns:a14="http://schemas.microsoft.com/office/drawing/2010/main">
+                <a:solidFill>
+                  <a:srgbClr val="FFFFFF"/>
+                </a:solidFill>
+              </a14:hiddenFill>
+            </a:ext>
+          </a:extLst>
+        </p:spPr>
+      </p:pic>
+    </p:spTree>
+    <p:extLst>
+      <p:ext uri="{BB962C8B-B14F-4D97-AF65-F5344CB8AC3E}">
+        <p14:creationId xmlns:p14="http://schemas.microsoft.com/office/powerpoint/2010/main" val="3643551499"/>
+      </p:ext>
+    </p:extLst>
+  </p:cSld>
+  <p:clrMapOvr>
+    <a:masterClrMapping/>
+  </p:clrMapOvr>
+</p:sld>
+</file>
+
+<file path=ppt/slides/slide26.xml><?xml version="1.0" encoding="utf-8"?>
+<p:sld xmlns:a="http://schemas.openxmlformats.org/drawingml/2006/main" xmlns:r="http://schemas.openxmlformats.org/officeDocument/2006/relationships" xmlns:p="http://schemas.openxmlformats.org/presentationml/2006/main">
+  <p:cSld>
+    <p:spTree>
+      <p:nvGrpSpPr>
+        <p:cNvPr id="1" name=""/>
+        <p:cNvGrpSpPr/>
+        <p:nvPr/>
+      </p:nvGrpSpPr>
+      <p:grpSpPr>
+        <a:xfrm>
+          <a:off x="0" y="0"/>
+          <a:ext cx="0" cy="0"/>
+          <a:chOff x="0" y="0"/>
+          <a:chExt cx="0" cy="0"/>
+        </a:xfrm>
+      </p:grpSpPr>
+      <p:sp>
+        <p:nvSpPr>
+          <p:cNvPr id="2" name="Título 1">
+            <a:extLst>
+              <a:ext uri="{FF2B5EF4-FFF2-40B4-BE49-F238E27FC236}">
+                <a16:creationId xmlns:a16="http://schemas.microsoft.com/office/drawing/2014/main" id="{06D37ED1-6582-F038-1F48-B8B5B1A3A049}"/>
+              </a:ext>
+            </a:extLst>
+          </p:cNvPr>
+          <p:cNvSpPr>
+            <a:spLocks noGrp="1"/>
+          </p:cNvSpPr>
+          <p:nvPr>
+            <p:ph type="title"/>
+          </p:nvPr>
+        </p:nvSpPr>
+        <p:spPr/>
+        <p:txBody>
+          <a:bodyPr/>
+          <a:lstStyle/>
+          <a:p>
+            <a:r>
+              <a:rPr lang="pt-BR" dirty="0"/>
+              <a:t>Diagnósticos de bips da placa mãe</a:t>
+            </a:r>
+          </a:p>
+        </p:txBody>
+      </p:sp>
+      <p:pic>
+        <p:nvPicPr>
+          <p:cNvPr id="5" name="Espaço Reservado para Conteúdo 4">
+            <a:extLst>
+              <a:ext uri="{FF2B5EF4-FFF2-40B4-BE49-F238E27FC236}">
+                <a16:creationId xmlns:a16="http://schemas.microsoft.com/office/drawing/2014/main" id="{E5CC91EF-B972-DE29-BF77-D6AA11404E70}"/>
+              </a:ext>
+            </a:extLst>
+          </p:cNvPr>
+          <p:cNvPicPr>
+            <a:picLocks noGrp="1" noChangeAspect="1"/>
+          </p:cNvPicPr>
+          <p:nvPr>
+            <p:ph idx="1"/>
+          </p:nvPr>
+        </p:nvPicPr>
+        <p:blipFill>
+          <a:blip r:embed="rId2"/>
+          <a:stretch>
+            <a:fillRect/>
+          </a:stretch>
+        </p:blipFill>
+        <p:spPr>
+          <a:xfrm>
+            <a:off x="3078307" y="1233398"/>
+            <a:ext cx="6035386" cy="5624602"/>
+          </a:xfrm>
+        </p:spPr>
+      </p:pic>
+    </p:spTree>
+    <p:extLst>
+      <p:ext uri="{BB962C8B-B14F-4D97-AF65-F5344CB8AC3E}">
+        <p14:creationId xmlns:p14="http://schemas.microsoft.com/office/powerpoint/2010/main" val="3154744284"/>
+      </p:ext>
+    </p:extLst>
+  </p:cSld>
+  <p:clrMapOvr>
+    <a:masterClrMapping/>
+  </p:clrMapOvr>
+</p:sld>
+</file>
+
+<file path=ppt/slides/slide27.xml><?xml version="1.0" encoding="utf-8"?>
+<p:sld xmlns:a="http://schemas.openxmlformats.org/drawingml/2006/main" xmlns:r="http://schemas.openxmlformats.org/officeDocument/2006/relationships" xmlns:p="http://schemas.openxmlformats.org/presentationml/2006/main">
+  <p:cSld>
+    <p:spTree>
+      <p:nvGrpSpPr>
+        <p:cNvPr id="1" name=""/>
+        <p:cNvGrpSpPr/>
+        <p:nvPr/>
+      </p:nvGrpSpPr>
+      <p:grpSpPr>
+        <a:xfrm>
+          <a:off x="0" y="0"/>
+          <a:ext cx="0" cy="0"/>
+          <a:chOff x="0" y="0"/>
+          <a:chExt cx="0" cy="0"/>
+        </a:xfrm>
+      </p:grpSpPr>
+      <p:sp>
+        <p:nvSpPr>
+          <p:cNvPr id="2" name="Título 1">
+            <a:extLst>
+              <a:ext uri="{FF2B5EF4-FFF2-40B4-BE49-F238E27FC236}">
+                <a16:creationId xmlns:a16="http://schemas.microsoft.com/office/drawing/2014/main" id="{EFB11523-0A4F-5DF0-DE73-D3B173C9C1B5}"/>
+              </a:ext>
+            </a:extLst>
+          </p:cNvPr>
+          <p:cNvSpPr>
+            <a:spLocks noGrp="1"/>
+          </p:cNvSpPr>
+          <p:nvPr>
+            <p:ph type="title"/>
+          </p:nvPr>
+        </p:nvSpPr>
+        <p:spPr>
+          <a:xfrm>
+            <a:off x="2592925" y="624110"/>
+            <a:ext cx="8911687" cy="895201"/>
+          </a:xfrm>
+        </p:spPr>
+        <p:txBody>
+          <a:bodyPr/>
+          <a:lstStyle/>
+          <a:p>
+            <a:r>
+              <a:rPr lang="pt-BR" b="1"/>
+              <a:t>Multímetro</a:t>
+            </a:r>
+            <a:endParaRPr lang="pt-BR" b="1" dirty="0"/>
+          </a:p>
+        </p:txBody>
+      </p:sp>
+      <p:sp>
+        <p:nvSpPr>
+          <p:cNvPr id="3" name="Espaço Reservado para Conteúdo 2">
+            <a:extLst>
+              <a:ext uri="{FF2B5EF4-FFF2-40B4-BE49-F238E27FC236}">
+                <a16:creationId xmlns:a16="http://schemas.microsoft.com/office/drawing/2014/main" id="{534EC3E1-7E56-A7EE-E2FA-8D356BFC10AC}"/>
+              </a:ext>
+            </a:extLst>
+          </p:cNvPr>
+          <p:cNvSpPr>
+            <a:spLocks noGrp="1"/>
+          </p:cNvSpPr>
+          <p:nvPr>
+            <p:ph idx="1"/>
+          </p:nvPr>
+        </p:nvSpPr>
+        <p:spPr>
+          <a:xfrm>
+            <a:off x="2592925" y="1418296"/>
+            <a:ext cx="8915400" cy="3777622"/>
+          </a:xfrm>
+        </p:spPr>
+        <p:txBody>
+          <a:bodyPr>
+            <a:normAutofit/>
+          </a:bodyPr>
+          <a:lstStyle/>
+          <a:p>
+            <a:r>
+              <a:rPr lang="pt-BR" sz="2000" dirty="0"/>
+              <a:t>É uma ferramenta de teste utilizada para medir dois ou mais valores elétricos, principalmente, tensão (volts), corrente (amperes) e resistência (ohms). </a:t>
+            </a:r>
+          </a:p>
+          <a:p>
+            <a:r>
+              <a:rPr lang="pt-BR" sz="2000" dirty="0"/>
+              <a:t>É a ferramenta de diagnóstico padrão para técnicos em ambientes industriais elétricos/eletrônicos.</a:t>
+            </a:r>
+          </a:p>
+          <a:p>
+            <a:endParaRPr lang="pt-BR" sz="2000" dirty="0"/>
+          </a:p>
+          <a:p>
+            <a:endParaRPr lang="pt-BR" sz="2000" dirty="0"/>
+          </a:p>
+        </p:txBody>
+      </p:sp>
+      <p:pic>
+        <p:nvPicPr>
+          <p:cNvPr id="3074" name="Picture 2" descr="Multímetro Capacímetro Digital com 32 Escalas DT9205A+ CAT II 1000V">
+            <a:extLst>
+              <a:ext uri="{FF2B5EF4-FFF2-40B4-BE49-F238E27FC236}">
+                <a16:creationId xmlns:a16="http://schemas.microsoft.com/office/drawing/2014/main" id="{DA55EC82-2DE2-E482-591D-6962BA1AE8F6}"/>
+              </a:ext>
+            </a:extLst>
+          </p:cNvPr>
+          <p:cNvPicPr>
+            <a:picLocks noChangeAspect="1" noChangeArrowheads="1"/>
+          </p:cNvPicPr>
+          <p:nvPr/>
+        </p:nvPicPr>
+        <p:blipFill>
+          <a:blip r:embed="rId2">
+            <a:extLst>
+              <a:ext uri="{28A0092B-C50C-407E-A947-70E740481C1C}">
+                <a14:useLocalDpi xmlns:a14="http://schemas.microsoft.com/office/drawing/2010/main" val="0"/>
+              </a:ext>
+            </a:extLst>
+          </a:blip>
+          <a:srcRect/>
+          <a:stretch>
+            <a:fillRect/>
+          </a:stretch>
+        </p:blipFill>
+        <p:spPr bwMode="auto">
+          <a:xfrm>
+            <a:off x="3991548" y="3429000"/>
+            <a:ext cx="4208903" cy="3177641"/>
+          </a:xfrm>
+          <a:prstGeom prst="rect">
+            <a:avLst/>
+          </a:prstGeom>
+          <a:noFill/>
+          <a:extLst>
+            <a:ext uri="{909E8E84-426E-40DD-AFC4-6F175D3DCCD1}">
+              <a14:hiddenFill xmlns:a14="http://schemas.microsoft.com/office/drawing/2010/main">
+                <a:solidFill>
+                  <a:srgbClr val="FFFFFF"/>
+                </a:solidFill>
+              </a14:hiddenFill>
+            </a:ext>
+          </a:extLst>
+        </p:spPr>
+      </p:pic>
+    </p:spTree>
+    <p:extLst>
+      <p:ext uri="{BB962C8B-B14F-4D97-AF65-F5344CB8AC3E}">
+        <p14:creationId xmlns:p14="http://schemas.microsoft.com/office/powerpoint/2010/main" val="547767475"/>
+      </p:ext>
+    </p:extLst>
+  </p:cSld>
+  <p:clrMapOvr>
+    <a:masterClrMapping/>
+  </p:clrMapOvr>
+</p:sld>
+</file>
+
+<file path=ppt/slides/slide28.xml><?xml version="1.0" encoding="utf-8"?>
+<p:sld xmlns:a="http://schemas.openxmlformats.org/drawingml/2006/main" xmlns:r="http://schemas.openxmlformats.org/officeDocument/2006/relationships" xmlns:p="http://schemas.openxmlformats.org/presentationml/2006/main">
+  <p:cSld>
+    <p:spTree>
+      <p:nvGrpSpPr>
+        <p:cNvPr id="1" name=""/>
+        <p:cNvGrpSpPr/>
+        <p:nvPr/>
+      </p:nvGrpSpPr>
+      <p:grpSpPr>
+        <a:xfrm>
+          <a:off x="0" y="0"/>
+          <a:ext cx="0" cy="0"/>
+          <a:chOff x="0" y="0"/>
+          <a:chExt cx="0" cy="0"/>
+        </a:xfrm>
+      </p:grpSpPr>
+      <p:sp>
+        <p:nvSpPr>
+          <p:cNvPr id="2" name="Título 1">
+            <a:extLst>
+              <a:ext uri="{FF2B5EF4-FFF2-40B4-BE49-F238E27FC236}">
+                <a16:creationId xmlns:a16="http://schemas.microsoft.com/office/drawing/2014/main" id="{B849ABA2-2040-E5CB-1280-401FED22F028}"/>
+              </a:ext>
+            </a:extLst>
+          </p:cNvPr>
+          <p:cNvSpPr>
+            <a:spLocks noGrp="1"/>
+          </p:cNvSpPr>
+          <p:nvPr>
+            <p:ph type="title"/>
+          </p:nvPr>
+        </p:nvSpPr>
+        <p:spPr>
+          <a:xfrm>
+            <a:off x="1805134" y="342756"/>
+            <a:ext cx="8911687" cy="726388"/>
+          </a:xfrm>
+        </p:spPr>
+        <p:txBody>
+          <a:bodyPr/>
+          <a:lstStyle/>
+          <a:p>
+            <a:r>
+              <a:rPr lang="pt-BR" b="1" dirty="0"/>
+              <a:t>ATIVIDADES</a:t>
+            </a:r>
+          </a:p>
+        </p:txBody>
+      </p:sp>
+      <p:sp>
+        <p:nvSpPr>
+          <p:cNvPr id="3" name="Espaço Reservado para Conteúdo 2">
+            <a:extLst>
+              <a:ext uri="{FF2B5EF4-FFF2-40B4-BE49-F238E27FC236}">
+                <a16:creationId xmlns:a16="http://schemas.microsoft.com/office/drawing/2014/main" id="{DE6FD407-76A0-B35C-F322-CB8FC6FD557C}"/>
+              </a:ext>
+            </a:extLst>
+          </p:cNvPr>
+          <p:cNvSpPr>
+            <a:spLocks noGrp="1"/>
+          </p:cNvSpPr>
+          <p:nvPr>
+            <p:ph idx="1"/>
+          </p:nvPr>
+        </p:nvSpPr>
+        <p:spPr>
+          <a:xfrm>
+            <a:off x="1533378" y="1350498"/>
+            <a:ext cx="9971234" cy="5507502"/>
+          </a:xfrm>
+        </p:spPr>
+        <p:txBody>
+          <a:bodyPr>
+            <a:normAutofit/>
+          </a:bodyPr>
+          <a:lstStyle/>
+          <a:p>
+            <a:r>
+              <a:rPr lang="pt-BR" sz="2000" dirty="0"/>
+              <a:t>1. Diferencie Hardware e Software. Cite exemplos.</a:t>
+            </a:r>
+          </a:p>
+          <a:p>
+            <a:r>
+              <a:rPr lang="pt-BR" sz="2000" dirty="0"/>
+              <a:t>2. O que são dispositivos de entrada e dispositivos de saída em um computador? Cite exemplos. </a:t>
+            </a:r>
+          </a:p>
+          <a:p>
+            <a:r>
+              <a:rPr lang="pt-BR" sz="2000" dirty="0"/>
+              <a:t>3. O que é um bit? Diferencie bit e byte.</a:t>
+            </a:r>
+          </a:p>
+          <a:p>
+            <a:r>
+              <a:rPr lang="pt-BR" sz="2000" dirty="0"/>
+              <a:t>4. Quais são os elementos básicos que constituem um microcomputador? Desenhe o diagrama de blocos</a:t>
+            </a:r>
+          </a:p>
+          <a:p>
+            <a:r>
+              <a:rPr lang="pt-BR" sz="2000" dirty="0"/>
+              <a:t>5. Qual é a função do microprocessador?</a:t>
+            </a:r>
+          </a:p>
+          <a:p>
+            <a:r>
+              <a:rPr lang="pt-BR" sz="2000" dirty="0"/>
+              <a:t>6. As placas mães podem ser utilizadas indistintamente com qualquer tipo de processador? Justifique.</a:t>
+            </a:r>
+          </a:p>
+          <a:p>
+            <a:r>
+              <a:rPr lang="pt-BR" sz="2000" dirty="0"/>
+              <a:t>7. O que é uma memória volátil? A RAM é uma memória volátil ou não volátil?</a:t>
+            </a:r>
+          </a:p>
+          <a:p>
+            <a:r>
+              <a:rPr lang="pt-BR" sz="2000" dirty="0"/>
+              <a:t>8.  O que é vídeo on-board? E vídeo off-board?</a:t>
+            </a:r>
+          </a:p>
+          <a:p>
+            <a:r>
+              <a:rPr lang="pt-BR" sz="2000" dirty="0"/>
+              <a:t>9. Qual o nome do local do encaixe das memórias na </a:t>
+            </a:r>
+            <a:r>
+              <a:rPr lang="pt-BR" sz="2000" dirty="0" err="1"/>
+              <a:t>placa-mãe</a:t>
+            </a:r>
+            <a:r>
+              <a:rPr lang="pt-BR" sz="2000" dirty="0"/>
+              <a:t>?</a:t>
+            </a:r>
+          </a:p>
+        </p:txBody>
+      </p:sp>
+    </p:spTree>
+    <p:extLst>
+      <p:ext uri="{BB962C8B-B14F-4D97-AF65-F5344CB8AC3E}">
+        <p14:creationId xmlns:p14="http://schemas.microsoft.com/office/powerpoint/2010/main" val="3662131120"/>
       </p:ext>
     </p:extLst>
   </p:cSld>
